--- a/3주차/SBS게임아카데미_UNITY주말4개월_3주차_실습.pptx
+++ b/3주차/SBS게임아카데미_UNITY주말4개월_3주차_실습.pptx
@@ -5,15 +5,17 @@
     <p:sldMasterId id="2147483648" r:id="rId1"/>
   </p:sldMasterIdLst>
   <p:notesMasterIdLst>
-    <p:notesMasterId r:id="rId5"/>
+    <p:notesMasterId r:id="rId7"/>
   </p:notesMasterIdLst>
   <p:handoutMasterIdLst>
-    <p:handoutMasterId r:id="rId6"/>
+    <p:handoutMasterId r:id="rId8"/>
   </p:handoutMasterIdLst>
   <p:sldIdLst>
     <p:sldId id="256" r:id="rId2"/>
     <p:sldId id="281" r:id="rId3"/>
     <p:sldId id="282" r:id="rId4"/>
+    <p:sldId id="283" r:id="rId5"/>
+    <p:sldId id="284" r:id="rId6"/>
   </p:sldIdLst>
   <p:sldSz cx="12192000" cy="6858000"/>
   <p:notesSz cx="6858000" cy="9144000"/>
@@ -4803,11 +4805,7 @@
             </a:r>
             <a:r>
               <a:rPr lang="en-US" altLang="ko-KR" dirty="0" smtClean="0"/>
-              <a:t>Birds</a:t>
-            </a:r>
-            <a:r>
-              <a:rPr lang="en-US" altLang="ko-KR" dirty="0" smtClean="0"/>
-              <a:t>)</a:t>
+              <a:t>Birds)</a:t>
             </a:r>
             <a:r>
               <a:rPr lang="ko-KR" altLang="en-US" dirty="0" smtClean="0"/>
@@ -4861,11 +4859,7 @@
             </a:r>
             <a:r>
               <a:rPr lang="en-US" altLang="ko-KR" dirty="0" smtClean="0"/>
-              <a:t>Pisces</a:t>
-            </a:r>
-            <a:r>
-              <a:rPr lang="en-US" altLang="ko-KR" dirty="0" smtClean="0"/>
-              <a:t>/Fish)</a:t>
+              <a:t>Pisces/Fish)</a:t>
             </a:r>
             <a:r>
               <a:rPr lang="ko-KR" altLang="en-US" dirty="0" smtClean="0"/>
@@ -5294,6 +5288,1195 @@
       </p:par>
     </p:tnLst>
   </p:timing>
+</p:sld>
+</file>
+
+<file path=ppt/slides/slide4.xml><?xml version="1.0" encoding="utf-8"?>
+<p:sld xmlns:a="http://schemas.openxmlformats.org/drawingml/2006/main" xmlns:r="http://schemas.openxmlformats.org/officeDocument/2006/relationships" xmlns:p="http://schemas.openxmlformats.org/presentationml/2006/main">
+  <p:cSld>
+    <p:spTree>
+      <p:nvGrpSpPr>
+        <p:cNvPr id="1" name=""/>
+        <p:cNvGrpSpPr/>
+        <p:nvPr/>
+      </p:nvGrpSpPr>
+      <p:grpSpPr>
+        <a:xfrm>
+          <a:off x="0" y="0"/>
+          <a:ext cx="0" cy="0"/>
+          <a:chOff x="0" y="0"/>
+          <a:chExt cx="0" cy="0"/>
+        </a:xfrm>
+      </p:grpSpPr>
+      <p:sp>
+        <p:nvSpPr>
+          <p:cNvPr id="3" name="내용 개체 틀 2"/>
+          <p:cNvSpPr>
+            <a:spLocks noGrp="1"/>
+          </p:cNvSpPr>
+          <p:nvPr>
+            <p:ph sz="quarter" idx="13"/>
+          </p:nvPr>
+        </p:nvSpPr>
+        <p:spPr/>
+        <p:txBody>
+          <a:bodyPr/>
+          <a:lstStyle/>
+          <a:p>
+            <a:r>
+              <a:rPr lang="en-US" altLang="ko-KR" dirty="0"/>
+              <a:t>C# </a:t>
+            </a:r>
+            <a:r>
+              <a:rPr lang="ko-KR" altLang="en-US" dirty="0"/>
+              <a:t>이론 </a:t>
+            </a:r>
+            <a:r>
+              <a:rPr lang="en-US" altLang="ko-KR" dirty="0"/>
+              <a:t>– (</a:t>
+            </a:r>
+            <a:r>
+              <a:rPr lang="ko-KR" altLang="en-US" dirty="0"/>
+              <a:t>추상화 클래스</a:t>
+            </a:r>
+            <a:r>
+              <a:rPr lang="en-US" altLang="ko-KR" dirty="0"/>
+              <a:t>/</a:t>
+            </a:r>
+            <a:r>
+              <a:rPr lang="ko-KR" altLang="en-US" dirty="0"/>
+              <a:t>인터페이스 이해</a:t>
+            </a:r>
+            <a:r>
+              <a:rPr lang="en-US" altLang="ko-KR" dirty="0" smtClean="0"/>
+              <a:t>) – </a:t>
+            </a:r>
+            <a:r>
+              <a:rPr lang="ko-KR" altLang="en-US" dirty="0" smtClean="0"/>
+              <a:t>클래스 선언</a:t>
+            </a:r>
+            <a:endParaRPr lang="ko-KR" altLang="en-US" dirty="0"/>
+          </a:p>
+        </p:txBody>
+      </p:sp>
+      <p:sp>
+        <p:nvSpPr>
+          <p:cNvPr id="4" name="모서리가 둥근 직사각형 3"/>
+          <p:cNvSpPr/>
+          <p:nvPr/>
+        </p:nvSpPr>
+        <p:spPr>
+          <a:xfrm>
+            <a:off x="4399471" y="1233577"/>
+            <a:ext cx="3105510" cy="914400"/>
+          </a:xfrm>
+          <a:prstGeom prst="roundRect">
+            <a:avLst/>
+          </a:prstGeom>
+        </p:spPr>
+        <p:style>
+          <a:lnRef idx="2">
+            <a:schemeClr val="accent1">
+              <a:shade val="50000"/>
+            </a:schemeClr>
+          </a:lnRef>
+          <a:fillRef idx="1">
+            <a:schemeClr val="accent1"/>
+          </a:fillRef>
+          <a:effectRef idx="0">
+            <a:schemeClr val="accent1"/>
+          </a:effectRef>
+          <a:fontRef idx="minor">
+            <a:schemeClr val="lt1"/>
+          </a:fontRef>
+        </p:style>
+        <p:txBody>
+          <a:bodyPr rtlCol="0" anchor="ctr"/>
+          <a:lstStyle/>
+          <a:p>
+            <a:pPr algn="ctr"/>
+            <a:r>
+              <a:rPr lang="en-US" altLang="ko-KR" dirty="0" smtClean="0"/>
+              <a:t>Creature</a:t>
+            </a:r>
+            <a:br>
+              <a:rPr lang="en-US" altLang="ko-KR" dirty="0" smtClean="0"/>
+            </a:br>
+            <a:r>
+              <a:rPr lang="en-US" altLang="ko-KR" dirty="0" smtClean="0"/>
+              <a:t>(</a:t>
+            </a:r>
+            <a:r>
+              <a:rPr lang="ko-KR" altLang="en-US" dirty="0" smtClean="0"/>
+              <a:t>추상화</a:t>
+            </a:r>
+            <a:r>
+              <a:rPr lang="en-US" altLang="ko-KR" dirty="0" smtClean="0"/>
+              <a:t>)</a:t>
+            </a:r>
+            <a:endParaRPr lang="ko-KR" altLang="en-US" dirty="0"/>
+          </a:p>
+        </p:txBody>
+      </p:sp>
+      <p:sp>
+        <p:nvSpPr>
+          <p:cNvPr id="5" name="모서리가 둥근 직사각형 4"/>
+          <p:cNvSpPr/>
+          <p:nvPr/>
+        </p:nvSpPr>
+        <p:spPr>
+          <a:xfrm>
+            <a:off x="833886" y="2588452"/>
+            <a:ext cx="3105510" cy="914400"/>
+          </a:xfrm>
+          <a:prstGeom prst="roundRect">
+            <a:avLst/>
+          </a:prstGeom>
+        </p:spPr>
+        <p:style>
+          <a:lnRef idx="2">
+            <a:schemeClr val="accent1">
+              <a:shade val="50000"/>
+            </a:schemeClr>
+          </a:lnRef>
+          <a:fillRef idx="1">
+            <a:schemeClr val="accent1"/>
+          </a:fillRef>
+          <a:effectRef idx="0">
+            <a:schemeClr val="accent1"/>
+          </a:effectRef>
+          <a:fontRef idx="minor">
+            <a:schemeClr val="lt1"/>
+          </a:fontRef>
+        </p:style>
+        <p:txBody>
+          <a:bodyPr rtlCol="0" anchor="ctr"/>
+          <a:lstStyle/>
+          <a:p>
+            <a:pPr algn="ctr"/>
+            <a:r>
+              <a:rPr lang="en-US" altLang="ko-KR" dirty="0" smtClean="0"/>
+              <a:t>Mammal</a:t>
+            </a:r>
+            <a:br>
+              <a:rPr lang="en-US" altLang="ko-KR" dirty="0" smtClean="0"/>
+            </a:br>
+            <a:r>
+              <a:rPr lang="en-US" altLang="ko-KR" dirty="0" smtClean="0"/>
+              <a:t>(</a:t>
+            </a:r>
+            <a:r>
+              <a:rPr lang="ko-KR" altLang="en-US" dirty="0" smtClean="0"/>
+              <a:t>포유류</a:t>
+            </a:r>
+            <a:r>
+              <a:rPr lang="en-US" altLang="ko-KR" dirty="0"/>
+              <a:t> /</a:t>
+            </a:r>
+            <a:r>
+              <a:rPr lang="ko-KR" altLang="en-US" dirty="0"/>
+              <a:t>추상화</a:t>
+            </a:r>
+            <a:r>
+              <a:rPr lang="en-US" altLang="ko-KR" dirty="0" smtClean="0"/>
+              <a:t>)</a:t>
+            </a:r>
+            <a:endParaRPr lang="ko-KR" altLang="en-US" dirty="0"/>
+          </a:p>
+        </p:txBody>
+      </p:sp>
+      <p:sp>
+        <p:nvSpPr>
+          <p:cNvPr id="6" name="모서리가 둥근 직사각형 5"/>
+          <p:cNvSpPr/>
+          <p:nvPr/>
+        </p:nvSpPr>
+        <p:spPr>
+          <a:xfrm>
+            <a:off x="4399471" y="2588452"/>
+            <a:ext cx="3105510" cy="914400"/>
+          </a:xfrm>
+          <a:prstGeom prst="roundRect">
+            <a:avLst/>
+          </a:prstGeom>
+        </p:spPr>
+        <p:style>
+          <a:lnRef idx="2">
+            <a:schemeClr val="accent1">
+              <a:shade val="50000"/>
+            </a:schemeClr>
+          </a:lnRef>
+          <a:fillRef idx="1">
+            <a:schemeClr val="accent1"/>
+          </a:fillRef>
+          <a:effectRef idx="0">
+            <a:schemeClr val="accent1"/>
+          </a:effectRef>
+          <a:fontRef idx="minor">
+            <a:schemeClr val="lt1"/>
+          </a:fontRef>
+        </p:style>
+        <p:txBody>
+          <a:bodyPr rtlCol="0" anchor="ctr"/>
+          <a:lstStyle/>
+          <a:p>
+            <a:pPr algn="ctr"/>
+            <a:r>
+              <a:rPr lang="en-US" altLang="ko-KR" dirty="0" smtClean="0"/>
+              <a:t>Birds</a:t>
+            </a:r>
+          </a:p>
+          <a:p>
+            <a:pPr algn="ctr"/>
+            <a:r>
+              <a:rPr lang="en-US" altLang="ko-KR" dirty="0" smtClean="0"/>
+              <a:t>(</a:t>
+            </a:r>
+            <a:r>
+              <a:rPr lang="ko-KR" altLang="en-US" dirty="0" smtClean="0"/>
+              <a:t>조류</a:t>
+            </a:r>
+            <a:r>
+              <a:rPr lang="en-US" altLang="ko-KR" dirty="0" smtClean="0"/>
+              <a:t>/</a:t>
+            </a:r>
+            <a:r>
+              <a:rPr lang="ko-KR" altLang="en-US" dirty="0" smtClean="0"/>
+              <a:t>추상화</a:t>
+            </a:r>
+            <a:r>
+              <a:rPr lang="en-US" altLang="ko-KR" dirty="0" smtClean="0"/>
+              <a:t>)</a:t>
+            </a:r>
+            <a:endParaRPr lang="ko-KR" altLang="en-US" dirty="0"/>
+          </a:p>
+        </p:txBody>
+      </p:sp>
+      <p:sp>
+        <p:nvSpPr>
+          <p:cNvPr id="7" name="모서리가 둥근 직사각형 6"/>
+          <p:cNvSpPr/>
+          <p:nvPr/>
+        </p:nvSpPr>
+        <p:spPr>
+          <a:xfrm>
+            <a:off x="7965056" y="2588452"/>
+            <a:ext cx="3105510" cy="914400"/>
+          </a:xfrm>
+          <a:prstGeom prst="roundRect">
+            <a:avLst/>
+          </a:prstGeom>
+        </p:spPr>
+        <p:style>
+          <a:lnRef idx="2">
+            <a:schemeClr val="accent1">
+              <a:shade val="50000"/>
+            </a:schemeClr>
+          </a:lnRef>
+          <a:fillRef idx="1">
+            <a:schemeClr val="accent1"/>
+          </a:fillRef>
+          <a:effectRef idx="0">
+            <a:schemeClr val="accent1"/>
+          </a:effectRef>
+          <a:fontRef idx="minor">
+            <a:schemeClr val="lt1"/>
+          </a:fontRef>
+        </p:style>
+        <p:txBody>
+          <a:bodyPr rtlCol="0" anchor="ctr"/>
+          <a:lstStyle/>
+          <a:p>
+            <a:pPr algn="ctr"/>
+            <a:r>
+              <a:rPr lang="en-US" altLang="ko-KR" dirty="0" smtClean="0"/>
+              <a:t>Fish</a:t>
+            </a:r>
+          </a:p>
+          <a:p>
+            <a:pPr algn="ctr"/>
+            <a:r>
+              <a:rPr lang="en-US" altLang="ko-KR" dirty="0" smtClean="0"/>
+              <a:t>(</a:t>
+            </a:r>
+            <a:r>
+              <a:rPr lang="ko-KR" altLang="en-US" dirty="0" smtClean="0"/>
+              <a:t>어류</a:t>
+            </a:r>
+            <a:r>
+              <a:rPr lang="en-US" altLang="ko-KR" dirty="0"/>
+              <a:t> /</a:t>
+            </a:r>
+            <a:r>
+              <a:rPr lang="ko-KR" altLang="en-US" dirty="0"/>
+              <a:t>추상화</a:t>
+            </a:r>
+            <a:r>
+              <a:rPr lang="en-US" altLang="ko-KR" dirty="0" smtClean="0"/>
+              <a:t>)</a:t>
+            </a:r>
+            <a:endParaRPr lang="ko-KR" altLang="en-US" dirty="0"/>
+          </a:p>
+        </p:txBody>
+      </p:sp>
+      <p:cxnSp>
+        <p:nvCxnSpPr>
+          <p:cNvPr id="9" name="직선 화살표 연결선 8"/>
+          <p:cNvCxnSpPr>
+            <a:stCxn id="4" idx="2"/>
+            <a:endCxn id="5" idx="0"/>
+          </p:cNvCxnSpPr>
+          <p:nvPr/>
+        </p:nvCxnSpPr>
+        <p:spPr>
+          <a:xfrm flipH="1">
+            <a:off x="2386641" y="2147977"/>
+            <a:ext cx="3565585" cy="440475"/>
+          </a:xfrm>
+          <a:prstGeom prst="straightConnector1">
+            <a:avLst/>
+          </a:prstGeom>
+          <a:ln>
+            <a:tailEnd type="triangle"/>
+          </a:ln>
+        </p:spPr>
+        <p:style>
+          <a:lnRef idx="1">
+            <a:schemeClr val="accent1"/>
+          </a:lnRef>
+          <a:fillRef idx="0">
+            <a:schemeClr val="accent1"/>
+          </a:fillRef>
+          <a:effectRef idx="0">
+            <a:schemeClr val="accent1"/>
+          </a:effectRef>
+          <a:fontRef idx="minor">
+            <a:schemeClr val="tx1"/>
+          </a:fontRef>
+        </p:style>
+      </p:cxnSp>
+      <p:cxnSp>
+        <p:nvCxnSpPr>
+          <p:cNvPr id="10" name="직선 화살표 연결선 9"/>
+          <p:cNvCxnSpPr>
+            <a:stCxn id="4" idx="2"/>
+            <a:endCxn id="6" idx="0"/>
+          </p:cNvCxnSpPr>
+          <p:nvPr/>
+        </p:nvCxnSpPr>
+        <p:spPr>
+          <a:xfrm>
+            <a:off x="5952226" y="2147977"/>
+            <a:ext cx="0" cy="440475"/>
+          </a:xfrm>
+          <a:prstGeom prst="straightConnector1">
+            <a:avLst/>
+          </a:prstGeom>
+          <a:ln>
+            <a:tailEnd type="triangle"/>
+          </a:ln>
+        </p:spPr>
+        <p:style>
+          <a:lnRef idx="1">
+            <a:schemeClr val="accent1"/>
+          </a:lnRef>
+          <a:fillRef idx="0">
+            <a:schemeClr val="accent1"/>
+          </a:fillRef>
+          <a:effectRef idx="0">
+            <a:schemeClr val="accent1"/>
+          </a:effectRef>
+          <a:fontRef idx="minor">
+            <a:schemeClr val="tx1"/>
+          </a:fontRef>
+        </p:style>
+      </p:cxnSp>
+      <p:cxnSp>
+        <p:nvCxnSpPr>
+          <p:cNvPr id="13" name="직선 화살표 연결선 12"/>
+          <p:cNvCxnSpPr>
+            <a:stCxn id="4" idx="2"/>
+            <a:endCxn id="7" idx="0"/>
+          </p:cNvCxnSpPr>
+          <p:nvPr/>
+        </p:nvCxnSpPr>
+        <p:spPr>
+          <a:xfrm>
+            <a:off x="5952226" y="2147977"/>
+            <a:ext cx="3565585" cy="440475"/>
+          </a:xfrm>
+          <a:prstGeom prst="straightConnector1">
+            <a:avLst/>
+          </a:prstGeom>
+          <a:ln>
+            <a:tailEnd type="triangle"/>
+          </a:ln>
+        </p:spPr>
+        <p:style>
+          <a:lnRef idx="1">
+            <a:schemeClr val="accent1"/>
+          </a:lnRef>
+          <a:fillRef idx="0">
+            <a:schemeClr val="accent1"/>
+          </a:fillRef>
+          <a:effectRef idx="0">
+            <a:schemeClr val="accent1"/>
+          </a:effectRef>
+          <a:fontRef idx="minor">
+            <a:schemeClr val="tx1"/>
+          </a:fontRef>
+        </p:style>
+      </p:cxnSp>
+      <p:sp>
+        <p:nvSpPr>
+          <p:cNvPr id="21" name="모서리가 둥근 직사각형 20"/>
+          <p:cNvSpPr/>
+          <p:nvPr/>
+        </p:nvSpPr>
+        <p:spPr>
+          <a:xfrm>
+            <a:off x="833886" y="3805832"/>
+            <a:ext cx="3105510" cy="457200"/>
+          </a:xfrm>
+          <a:prstGeom prst="roundRect">
+            <a:avLst/>
+          </a:prstGeom>
+        </p:spPr>
+        <p:style>
+          <a:lnRef idx="2">
+            <a:schemeClr val="accent1">
+              <a:shade val="50000"/>
+            </a:schemeClr>
+          </a:lnRef>
+          <a:fillRef idx="1">
+            <a:schemeClr val="accent1"/>
+          </a:fillRef>
+          <a:effectRef idx="0">
+            <a:schemeClr val="accent1"/>
+          </a:effectRef>
+          <a:fontRef idx="minor">
+            <a:schemeClr val="lt1"/>
+          </a:fontRef>
+        </p:style>
+        <p:txBody>
+          <a:bodyPr rtlCol="0" anchor="ctr"/>
+          <a:lstStyle/>
+          <a:p>
+            <a:pPr algn="ctr"/>
+            <a:r>
+              <a:rPr lang="ko-KR" altLang="en-US" dirty="0" smtClean="0"/>
+              <a:t>원숭이</a:t>
+            </a:r>
+            <a:r>
+              <a:rPr lang="en-US" altLang="ko-KR" dirty="0" smtClean="0"/>
+              <a:t>(Monkey)</a:t>
+            </a:r>
+            <a:endParaRPr lang="ko-KR" altLang="en-US" dirty="0"/>
+          </a:p>
+        </p:txBody>
+      </p:sp>
+      <p:sp>
+        <p:nvSpPr>
+          <p:cNvPr id="22" name="모서리가 둥근 직사각형 21"/>
+          <p:cNvSpPr/>
+          <p:nvPr/>
+        </p:nvSpPr>
+        <p:spPr>
+          <a:xfrm>
+            <a:off x="833886" y="4337412"/>
+            <a:ext cx="3105510" cy="457200"/>
+          </a:xfrm>
+          <a:prstGeom prst="roundRect">
+            <a:avLst/>
+          </a:prstGeom>
+        </p:spPr>
+        <p:style>
+          <a:lnRef idx="2">
+            <a:schemeClr val="accent1">
+              <a:shade val="50000"/>
+            </a:schemeClr>
+          </a:lnRef>
+          <a:fillRef idx="1">
+            <a:schemeClr val="accent1"/>
+          </a:fillRef>
+          <a:effectRef idx="0">
+            <a:schemeClr val="accent1"/>
+          </a:effectRef>
+          <a:fontRef idx="minor">
+            <a:schemeClr val="lt1"/>
+          </a:fontRef>
+        </p:style>
+        <p:txBody>
+          <a:bodyPr rtlCol="0" anchor="ctr"/>
+          <a:lstStyle/>
+          <a:p>
+            <a:pPr algn="ctr"/>
+            <a:r>
+              <a:rPr lang="ko-KR" altLang="en-US" dirty="0" smtClean="0"/>
+              <a:t>고래</a:t>
+            </a:r>
+            <a:r>
+              <a:rPr lang="en-US" altLang="ko-KR" dirty="0" smtClean="0"/>
+              <a:t>(Whale)</a:t>
+            </a:r>
+            <a:endParaRPr lang="ko-KR" altLang="en-US" dirty="0"/>
+          </a:p>
+        </p:txBody>
+      </p:sp>
+      <p:sp>
+        <p:nvSpPr>
+          <p:cNvPr id="23" name="모서리가 둥근 직사각형 22"/>
+          <p:cNvSpPr/>
+          <p:nvPr/>
+        </p:nvSpPr>
+        <p:spPr>
+          <a:xfrm>
+            <a:off x="833886" y="4868992"/>
+            <a:ext cx="3105510" cy="457200"/>
+          </a:xfrm>
+          <a:prstGeom prst="roundRect">
+            <a:avLst/>
+          </a:prstGeom>
+        </p:spPr>
+        <p:style>
+          <a:lnRef idx="2">
+            <a:schemeClr val="accent1">
+              <a:shade val="50000"/>
+            </a:schemeClr>
+          </a:lnRef>
+          <a:fillRef idx="1">
+            <a:schemeClr val="accent1"/>
+          </a:fillRef>
+          <a:effectRef idx="0">
+            <a:schemeClr val="accent1"/>
+          </a:effectRef>
+          <a:fontRef idx="minor">
+            <a:schemeClr val="lt1"/>
+          </a:fontRef>
+        </p:style>
+        <p:txBody>
+          <a:bodyPr rtlCol="0" anchor="ctr"/>
+          <a:lstStyle/>
+          <a:p>
+            <a:pPr algn="ctr"/>
+            <a:r>
+              <a:rPr lang="ko-KR" altLang="en-US" dirty="0" smtClean="0"/>
+              <a:t>돌고래</a:t>
+            </a:r>
+            <a:r>
+              <a:rPr lang="en-US" altLang="ko-KR" dirty="0" smtClean="0"/>
+              <a:t>(Dolphin)</a:t>
+            </a:r>
+            <a:endParaRPr lang="ko-KR" altLang="en-US" dirty="0"/>
+          </a:p>
+        </p:txBody>
+      </p:sp>
+      <p:sp>
+        <p:nvSpPr>
+          <p:cNvPr id="24" name="모서리가 둥근 직사각형 23"/>
+          <p:cNvSpPr/>
+          <p:nvPr/>
+        </p:nvSpPr>
+        <p:spPr>
+          <a:xfrm>
+            <a:off x="4399471" y="3714727"/>
+            <a:ext cx="3105510" cy="457200"/>
+          </a:xfrm>
+          <a:prstGeom prst="roundRect">
+            <a:avLst/>
+          </a:prstGeom>
+        </p:spPr>
+        <p:style>
+          <a:lnRef idx="2">
+            <a:schemeClr val="accent1">
+              <a:shade val="50000"/>
+            </a:schemeClr>
+          </a:lnRef>
+          <a:fillRef idx="1">
+            <a:schemeClr val="accent1"/>
+          </a:fillRef>
+          <a:effectRef idx="0">
+            <a:schemeClr val="accent1"/>
+          </a:effectRef>
+          <a:fontRef idx="minor">
+            <a:schemeClr val="lt1"/>
+          </a:fontRef>
+        </p:style>
+        <p:txBody>
+          <a:bodyPr rtlCol="0" anchor="ctr"/>
+          <a:lstStyle/>
+          <a:p>
+            <a:pPr algn="ctr"/>
+            <a:r>
+              <a:rPr lang="ko-KR" altLang="en-US" dirty="0" smtClean="0"/>
+              <a:t>독수리</a:t>
+            </a:r>
+            <a:r>
+              <a:rPr lang="en-US" altLang="ko-KR" dirty="0" smtClean="0"/>
+              <a:t>(Eagle)</a:t>
+            </a:r>
+            <a:endParaRPr lang="ko-KR" altLang="en-US" dirty="0"/>
+          </a:p>
+        </p:txBody>
+      </p:sp>
+      <p:sp>
+        <p:nvSpPr>
+          <p:cNvPr id="25" name="모서리가 둥근 직사각형 24"/>
+          <p:cNvSpPr/>
+          <p:nvPr/>
+        </p:nvSpPr>
+        <p:spPr>
+          <a:xfrm>
+            <a:off x="4399471" y="4246307"/>
+            <a:ext cx="3105510" cy="457200"/>
+          </a:xfrm>
+          <a:prstGeom prst="roundRect">
+            <a:avLst/>
+          </a:prstGeom>
+        </p:spPr>
+        <p:style>
+          <a:lnRef idx="2">
+            <a:schemeClr val="accent1">
+              <a:shade val="50000"/>
+            </a:schemeClr>
+          </a:lnRef>
+          <a:fillRef idx="1">
+            <a:schemeClr val="accent1"/>
+          </a:fillRef>
+          <a:effectRef idx="0">
+            <a:schemeClr val="accent1"/>
+          </a:effectRef>
+          <a:fontRef idx="minor">
+            <a:schemeClr val="lt1"/>
+          </a:fontRef>
+        </p:style>
+        <p:txBody>
+          <a:bodyPr rtlCol="0" anchor="ctr"/>
+          <a:lstStyle/>
+          <a:p>
+            <a:pPr algn="ctr"/>
+            <a:r>
+              <a:rPr lang="ko-KR" altLang="en-US" dirty="0" smtClean="0"/>
+              <a:t>참새</a:t>
+            </a:r>
+            <a:r>
+              <a:rPr lang="en-US" altLang="ko-KR" dirty="0" smtClean="0"/>
+              <a:t>(Sparrow)</a:t>
+            </a:r>
+            <a:endParaRPr lang="ko-KR" altLang="en-US" dirty="0"/>
+          </a:p>
+        </p:txBody>
+      </p:sp>
+      <p:sp>
+        <p:nvSpPr>
+          <p:cNvPr id="26" name="모서리가 둥근 직사각형 25"/>
+          <p:cNvSpPr/>
+          <p:nvPr/>
+        </p:nvSpPr>
+        <p:spPr>
+          <a:xfrm>
+            <a:off x="4399471" y="4777887"/>
+            <a:ext cx="3105510" cy="457200"/>
+          </a:xfrm>
+          <a:prstGeom prst="roundRect">
+            <a:avLst/>
+          </a:prstGeom>
+        </p:spPr>
+        <p:style>
+          <a:lnRef idx="2">
+            <a:schemeClr val="accent1">
+              <a:shade val="50000"/>
+            </a:schemeClr>
+          </a:lnRef>
+          <a:fillRef idx="1">
+            <a:schemeClr val="accent1"/>
+          </a:fillRef>
+          <a:effectRef idx="0">
+            <a:schemeClr val="accent1"/>
+          </a:effectRef>
+          <a:fontRef idx="minor">
+            <a:schemeClr val="lt1"/>
+          </a:fontRef>
+        </p:style>
+        <p:txBody>
+          <a:bodyPr rtlCol="0" anchor="ctr"/>
+          <a:lstStyle/>
+          <a:p>
+            <a:pPr algn="ctr"/>
+            <a:r>
+              <a:rPr lang="ko-KR" altLang="en-US" dirty="0" smtClean="0"/>
+              <a:t>비둘기</a:t>
+            </a:r>
+            <a:r>
+              <a:rPr lang="en-US" altLang="ko-KR" dirty="0" smtClean="0"/>
+              <a:t>(Pigeon)</a:t>
+            </a:r>
+            <a:endParaRPr lang="ko-KR" altLang="en-US" dirty="0"/>
+          </a:p>
+        </p:txBody>
+      </p:sp>
+      <p:sp>
+        <p:nvSpPr>
+          <p:cNvPr id="27" name="모서리가 둥근 직사각형 26"/>
+          <p:cNvSpPr/>
+          <p:nvPr/>
+        </p:nvSpPr>
+        <p:spPr>
+          <a:xfrm>
+            <a:off x="4399471" y="5326192"/>
+            <a:ext cx="3105510" cy="457200"/>
+          </a:xfrm>
+          <a:prstGeom prst="roundRect">
+            <a:avLst/>
+          </a:prstGeom>
+        </p:spPr>
+        <p:style>
+          <a:lnRef idx="2">
+            <a:schemeClr val="accent1">
+              <a:shade val="50000"/>
+            </a:schemeClr>
+          </a:lnRef>
+          <a:fillRef idx="1">
+            <a:schemeClr val="accent1"/>
+          </a:fillRef>
+          <a:effectRef idx="0">
+            <a:schemeClr val="accent1"/>
+          </a:effectRef>
+          <a:fontRef idx="minor">
+            <a:schemeClr val="lt1"/>
+          </a:fontRef>
+        </p:style>
+        <p:txBody>
+          <a:bodyPr rtlCol="0" anchor="ctr"/>
+          <a:lstStyle/>
+          <a:p>
+            <a:pPr algn="ctr"/>
+            <a:r>
+              <a:rPr lang="ko-KR" altLang="en-US" dirty="0" err="1" smtClean="0"/>
+              <a:t>팽귄</a:t>
+            </a:r>
+            <a:r>
+              <a:rPr lang="en-US" altLang="ko-KR" dirty="0" smtClean="0"/>
+              <a:t>(Penguin)</a:t>
+            </a:r>
+            <a:endParaRPr lang="ko-KR" altLang="en-US" dirty="0"/>
+          </a:p>
+        </p:txBody>
+      </p:sp>
+      <p:sp>
+        <p:nvSpPr>
+          <p:cNvPr id="28" name="모서리가 둥근 직사각형 27"/>
+          <p:cNvSpPr/>
+          <p:nvPr/>
+        </p:nvSpPr>
+        <p:spPr>
+          <a:xfrm>
+            <a:off x="7965056" y="3702223"/>
+            <a:ext cx="3105510" cy="457200"/>
+          </a:xfrm>
+          <a:prstGeom prst="roundRect">
+            <a:avLst/>
+          </a:prstGeom>
+        </p:spPr>
+        <p:style>
+          <a:lnRef idx="2">
+            <a:schemeClr val="accent1">
+              <a:shade val="50000"/>
+            </a:schemeClr>
+          </a:lnRef>
+          <a:fillRef idx="1">
+            <a:schemeClr val="accent1"/>
+          </a:fillRef>
+          <a:effectRef idx="0">
+            <a:schemeClr val="accent1"/>
+          </a:effectRef>
+          <a:fontRef idx="minor">
+            <a:schemeClr val="lt1"/>
+          </a:fontRef>
+        </p:style>
+        <p:txBody>
+          <a:bodyPr rtlCol="0" anchor="ctr"/>
+          <a:lstStyle/>
+          <a:p>
+            <a:pPr algn="ctr"/>
+            <a:r>
+              <a:rPr lang="ko-KR" altLang="en-US" dirty="0" smtClean="0"/>
+              <a:t>금붕어</a:t>
+            </a:r>
+            <a:r>
+              <a:rPr lang="en-US" altLang="ko-KR" dirty="0" smtClean="0"/>
+              <a:t>(Goldfish)</a:t>
+            </a:r>
+            <a:endParaRPr lang="ko-KR" altLang="en-US" dirty="0"/>
+          </a:p>
+        </p:txBody>
+      </p:sp>
+      <p:sp>
+        <p:nvSpPr>
+          <p:cNvPr id="29" name="모서리가 둥근 직사각형 28"/>
+          <p:cNvSpPr/>
+          <p:nvPr/>
+        </p:nvSpPr>
+        <p:spPr>
+          <a:xfrm>
+            <a:off x="7965056" y="4246307"/>
+            <a:ext cx="3105510" cy="457200"/>
+          </a:xfrm>
+          <a:prstGeom prst="roundRect">
+            <a:avLst/>
+          </a:prstGeom>
+        </p:spPr>
+        <p:style>
+          <a:lnRef idx="2">
+            <a:schemeClr val="accent1">
+              <a:shade val="50000"/>
+            </a:schemeClr>
+          </a:lnRef>
+          <a:fillRef idx="1">
+            <a:schemeClr val="accent1"/>
+          </a:fillRef>
+          <a:effectRef idx="0">
+            <a:schemeClr val="accent1"/>
+          </a:effectRef>
+          <a:fontRef idx="minor">
+            <a:schemeClr val="lt1"/>
+          </a:fontRef>
+        </p:style>
+        <p:txBody>
+          <a:bodyPr rtlCol="0" anchor="ctr"/>
+          <a:lstStyle/>
+          <a:p>
+            <a:pPr algn="ctr"/>
+            <a:r>
+              <a:rPr lang="ko-KR" altLang="en-US" dirty="0" smtClean="0"/>
+              <a:t>장어</a:t>
+            </a:r>
+            <a:r>
+              <a:rPr lang="en-US" altLang="ko-KR" dirty="0" smtClean="0"/>
+              <a:t>(Eel)</a:t>
+            </a:r>
+            <a:endParaRPr lang="ko-KR" altLang="en-US" dirty="0"/>
+          </a:p>
+        </p:txBody>
+      </p:sp>
+    </p:spTree>
+    <p:extLst>
+      <p:ext uri="{BB962C8B-B14F-4D97-AF65-F5344CB8AC3E}">
+        <p14:creationId xmlns:p14="http://schemas.microsoft.com/office/powerpoint/2010/main" val="2395286540"/>
+      </p:ext>
+    </p:extLst>
+  </p:cSld>
+  <p:clrMapOvr>
+    <a:masterClrMapping/>
+  </p:clrMapOvr>
+</p:sld>
+</file>
+
+<file path=ppt/slides/slide5.xml><?xml version="1.0" encoding="utf-8"?>
+<p:sld xmlns:a="http://schemas.openxmlformats.org/drawingml/2006/main" xmlns:r="http://schemas.openxmlformats.org/officeDocument/2006/relationships" xmlns:p="http://schemas.openxmlformats.org/presentationml/2006/main">
+  <p:cSld>
+    <p:spTree>
+      <p:nvGrpSpPr>
+        <p:cNvPr id="1" name=""/>
+        <p:cNvGrpSpPr/>
+        <p:nvPr/>
+      </p:nvGrpSpPr>
+      <p:grpSpPr>
+        <a:xfrm>
+          <a:off x="0" y="0"/>
+          <a:ext cx="0" cy="0"/>
+          <a:chOff x="0" y="0"/>
+          <a:chExt cx="0" cy="0"/>
+        </a:xfrm>
+      </p:grpSpPr>
+      <p:sp>
+        <p:nvSpPr>
+          <p:cNvPr id="2" name="모서리가 둥근 직사각형 1"/>
+          <p:cNvSpPr/>
+          <p:nvPr/>
+        </p:nvSpPr>
+        <p:spPr>
+          <a:xfrm>
+            <a:off x="1043796" y="1440611"/>
+            <a:ext cx="10524227" cy="4537495"/>
+          </a:xfrm>
+          <a:prstGeom prst="roundRect">
+            <a:avLst/>
+          </a:prstGeom>
+        </p:spPr>
+        <p:style>
+          <a:lnRef idx="2">
+            <a:schemeClr val="accent1">
+              <a:shade val="50000"/>
+            </a:schemeClr>
+          </a:lnRef>
+          <a:fillRef idx="1">
+            <a:schemeClr val="accent1"/>
+          </a:fillRef>
+          <a:effectRef idx="0">
+            <a:schemeClr val="accent1"/>
+          </a:effectRef>
+          <a:fontRef idx="minor">
+            <a:schemeClr val="lt1"/>
+          </a:fontRef>
+        </p:style>
+        <p:txBody>
+          <a:bodyPr rtlCol="0" anchor="t" anchorCtr="0"/>
+          <a:lstStyle/>
+          <a:p>
+            <a:pPr algn="ctr"/>
+            <a:r>
+              <a:rPr lang="en-US" altLang="ko-KR" dirty="0" smtClean="0"/>
+              <a:t>World </a:t>
+            </a:r>
+            <a:r>
+              <a:rPr lang="ko-KR" altLang="en-US" dirty="0" smtClean="0"/>
+              <a:t>클래스</a:t>
+            </a:r>
+            <a:endParaRPr lang="ko-KR" altLang="en-US" dirty="0"/>
+          </a:p>
+        </p:txBody>
+      </p:sp>
+      <p:sp>
+        <p:nvSpPr>
+          <p:cNvPr id="3" name="내용 개체 틀 2"/>
+          <p:cNvSpPr>
+            <a:spLocks noGrp="1"/>
+          </p:cNvSpPr>
+          <p:nvPr>
+            <p:ph sz="quarter" idx="13"/>
+          </p:nvPr>
+        </p:nvSpPr>
+        <p:spPr/>
+        <p:txBody>
+          <a:bodyPr/>
+          <a:lstStyle/>
+          <a:p>
+            <a:r>
+              <a:rPr lang="en-US" altLang="ko-KR" dirty="0"/>
+              <a:t>C# </a:t>
+            </a:r>
+            <a:r>
+              <a:rPr lang="ko-KR" altLang="en-US" dirty="0"/>
+              <a:t>이론 </a:t>
+            </a:r>
+            <a:r>
+              <a:rPr lang="en-US" altLang="ko-KR" dirty="0"/>
+              <a:t>– (</a:t>
+            </a:r>
+            <a:r>
+              <a:rPr lang="ko-KR" altLang="en-US" dirty="0"/>
+              <a:t>추상화 클래스</a:t>
+            </a:r>
+            <a:r>
+              <a:rPr lang="en-US" altLang="ko-KR" dirty="0"/>
+              <a:t>/</a:t>
+            </a:r>
+            <a:r>
+              <a:rPr lang="ko-KR" altLang="en-US" dirty="0"/>
+              <a:t>인터페이스 이해</a:t>
+            </a:r>
+            <a:r>
+              <a:rPr lang="en-US" altLang="ko-KR" dirty="0" smtClean="0"/>
+              <a:t>) – World </a:t>
+            </a:r>
+            <a:r>
+              <a:rPr lang="ko-KR" altLang="en-US" dirty="0" smtClean="0"/>
+              <a:t>클래스</a:t>
+            </a:r>
+            <a:endParaRPr lang="ko-KR" altLang="en-US" dirty="0"/>
+          </a:p>
+        </p:txBody>
+      </p:sp>
+      <p:sp>
+        <p:nvSpPr>
+          <p:cNvPr id="4" name="모서리가 둥근 직사각형 3"/>
+          <p:cNvSpPr/>
+          <p:nvPr/>
+        </p:nvSpPr>
+        <p:spPr>
+          <a:xfrm>
+            <a:off x="1337094" y="2070340"/>
+            <a:ext cx="9963510" cy="3674852"/>
+          </a:xfrm>
+          <a:prstGeom prst="roundRect">
+            <a:avLst/>
+          </a:prstGeom>
+        </p:spPr>
+        <p:style>
+          <a:lnRef idx="2">
+            <a:schemeClr val="accent2">
+              <a:shade val="50000"/>
+            </a:schemeClr>
+          </a:lnRef>
+          <a:fillRef idx="1">
+            <a:schemeClr val="accent2"/>
+          </a:fillRef>
+          <a:effectRef idx="0">
+            <a:schemeClr val="accent2"/>
+          </a:effectRef>
+          <a:fontRef idx="minor">
+            <a:schemeClr val="lt1"/>
+          </a:fontRef>
+        </p:style>
+        <p:txBody>
+          <a:bodyPr rtlCol="0" anchor="t" anchorCtr="0"/>
+          <a:lstStyle/>
+          <a:p>
+            <a:pPr algn="ctr"/>
+            <a:r>
+              <a:rPr lang="en-US" altLang="ko-KR" dirty="0" smtClean="0"/>
+              <a:t>List&lt;Creature&gt;</a:t>
+            </a:r>
+            <a:r>
+              <a:rPr lang="en-US" altLang="ko-KR" dirty="0"/>
+              <a:t> </a:t>
+            </a:r>
+            <a:r>
+              <a:rPr lang="en-US" altLang="ko-KR" dirty="0" smtClean="0"/>
+              <a:t>list = new List&lt;Creature&gt;();</a:t>
+            </a:r>
+          </a:p>
+          <a:p>
+            <a:pPr algn="ctr"/>
+            <a:endParaRPr lang="en-US" altLang="ko-KR" dirty="0"/>
+          </a:p>
+          <a:p>
+            <a:pPr algn="ctr"/>
+            <a:r>
+              <a:rPr lang="en-US" altLang="ko-KR" dirty="0" err="1" smtClean="0"/>
+              <a:t>list.Add</a:t>
+            </a:r>
+            <a:r>
+              <a:rPr lang="en-US" altLang="ko-KR" dirty="0" smtClean="0"/>
+              <a:t>(new Monkey());</a:t>
+            </a:r>
+            <a:br>
+              <a:rPr lang="en-US" altLang="ko-KR" dirty="0" smtClean="0"/>
+            </a:br>
+            <a:r>
+              <a:rPr lang="en-US" altLang="ko-KR" dirty="0" err="1" smtClean="0"/>
+              <a:t>list.Add</a:t>
+            </a:r>
+            <a:r>
+              <a:rPr lang="en-US" altLang="ko-KR" dirty="0" smtClean="0"/>
+              <a:t>(new </a:t>
+            </a:r>
+            <a:r>
+              <a:rPr lang="en-US" altLang="ko-KR" dirty="0"/>
+              <a:t>Monkey());</a:t>
+            </a:r>
+            <a:endParaRPr lang="ko-KR" altLang="en-US" dirty="0"/>
+          </a:p>
+          <a:p>
+            <a:pPr algn="ctr"/>
+            <a:r>
+              <a:rPr lang="en-US" altLang="ko-KR" dirty="0" err="1" smtClean="0"/>
+              <a:t>list.Add</a:t>
+            </a:r>
+            <a:r>
+              <a:rPr lang="en-US" altLang="ko-KR" dirty="0" smtClean="0"/>
+              <a:t>(new </a:t>
+            </a:r>
+            <a:r>
+              <a:rPr lang="en-US" altLang="ko-KR" dirty="0"/>
+              <a:t>Monkey</a:t>
+            </a:r>
+            <a:r>
+              <a:rPr lang="en-US" altLang="ko-KR" dirty="0" smtClean="0"/>
+              <a:t>());</a:t>
+            </a:r>
+          </a:p>
+          <a:p>
+            <a:pPr algn="ctr"/>
+            <a:endParaRPr lang="en-US" altLang="ko-KR" dirty="0"/>
+          </a:p>
+          <a:p>
+            <a:pPr algn="ctr"/>
+            <a:r>
+              <a:rPr lang="en-US" altLang="ko-KR" dirty="0" err="1" smtClean="0"/>
+              <a:t>list.Add</a:t>
+            </a:r>
+            <a:r>
+              <a:rPr lang="en-US" altLang="ko-KR" dirty="0" smtClean="0"/>
+              <a:t>(new Whale());</a:t>
+            </a:r>
+            <a:r>
+              <a:rPr lang="en-US" altLang="ko-KR" dirty="0"/>
+              <a:t> </a:t>
+            </a:r>
+            <a:r>
+              <a:rPr lang="en-US" altLang="ko-KR" dirty="0" smtClean="0"/>
+              <a:t/>
+            </a:r>
+            <a:br>
+              <a:rPr lang="en-US" altLang="ko-KR" dirty="0" smtClean="0"/>
+            </a:br>
+            <a:r>
+              <a:rPr lang="en-US" altLang="ko-KR" dirty="0" err="1"/>
+              <a:t>l</a:t>
+            </a:r>
+            <a:r>
+              <a:rPr lang="en-US" altLang="ko-KR" dirty="0" err="1" smtClean="0"/>
+              <a:t>ist.Add</a:t>
+            </a:r>
+            <a:r>
+              <a:rPr lang="en-US" altLang="ko-KR" dirty="0" smtClean="0"/>
+              <a:t>(new </a:t>
+            </a:r>
+            <a:r>
+              <a:rPr lang="en-US" altLang="ko-KR" dirty="0"/>
+              <a:t>Whale());</a:t>
+            </a:r>
+            <a:endParaRPr lang="ko-KR" altLang="en-US" dirty="0"/>
+          </a:p>
+          <a:p>
+            <a:pPr algn="ctr"/>
+            <a:r>
+              <a:rPr lang="en-US" altLang="ko-KR" dirty="0" err="1" smtClean="0"/>
+              <a:t>list.Add</a:t>
+            </a:r>
+            <a:r>
+              <a:rPr lang="en-US" altLang="ko-KR" dirty="0" smtClean="0"/>
+              <a:t>(new </a:t>
+            </a:r>
+            <a:r>
+              <a:rPr lang="en-US" altLang="ko-KR" dirty="0"/>
+              <a:t>Whale());</a:t>
+            </a:r>
+            <a:endParaRPr lang="ko-KR" altLang="en-US" dirty="0"/>
+          </a:p>
+          <a:p>
+            <a:pPr algn="ctr"/>
+            <a:endParaRPr lang="ko-KR" altLang="en-US" dirty="0"/>
+          </a:p>
+          <a:p>
+            <a:pPr algn="ctr"/>
+            <a:r>
+              <a:rPr lang="en-US" altLang="ko-KR" dirty="0" smtClean="0"/>
+              <a:t/>
+            </a:r>
+            <a:br>
+              <a:rPr lang="en-US" altLang="ko-KR" dirty="0" smtClean="0"/>
+            </a:br>
+            <a:r>
+              <a:rPr lang="en-US" altLang="ko-KR" dirty="0" smtClean="0"/>
+              <a:t>…</a:t>
+            </a:r>
+            <a:endParaRPr lang="ko-KR" altLang="en-US" dirty="0"/>
+          </a:p>
+        </p:txBody>
+      </p:sp>
+    </p:spTree>
+    <p:extLst>
+      <p:ext uri="{BB962C8B-B14F-4D97-AF65-F5344CB8AC3E}">
+        <p14:creationId xmlns:p14="http://schemas.microsoft.com/office/powerpoint/2010/main" val="410091188"/>
+      </p:ext>
+    </p:extLst>
+  </p:cSld>
+  <p:clrMapOvr>
+    <a:masterClrMapping/>
+  </p:clrMapOvr>
 </p:sld>
 </file>
 

--- a/3주차/SBS게임아카데미_UNITY주말4개월_3주차_실습.pptx
+++ b/3주차/SBS게임아카데미_UNITY주말4개월_3주차_실습.pptx
@@ -242,7 +242,7 @@
           <a:p>
             <a:fld id="{1FB181E3-7E76-4CD3-B309-144B2849763F}" type="datetimeFigureOut">
               <a:rPr lang="ko-KR" altLang="en-US" smtClean="0"/>
-              <a:t>2021-03-28</a:t>
+              <a:t>2021-04-04</a:t>
             </a:fld>
             <a:endParaRPr lang="ko-KR" altLang="en-US"/>
           </a:p>
@@ -419,7 +419,7 @@
           <a:p>
             <a:fld id="{2CAF56A3-FF6D-46D8-9921-264FC75D95C0}" type="datetimeFigureOut">
               <a:rPr lang="ko-KR" altLang="en-US" smtClean="0"/>
-              <a:t>2021-03-28</a:t>
+              <a:t>2021-04-04</a:t>
             </a:fld>
             <a:endParaRPr lang="ko-KR" altLang="en-US" dirty="0"/>
           </a:p>
@@ -770,6 +770,90 @@
 </p:notes>
 </file>
 
+<file path=ppt/notesSlides/notesSlide2.xml><?xml version="1.0" encoding="utf-8"?>
+<p:notes xmlns:a="http://schemas.openxmlformats.org/drawingml/2006/main" xmlns:r="http://schemas.openxmlformats.org/officeDocument/2006/relationships" xmlns:p="http://schemas.openxmlformats.org/presentationml/2006/main">
+  <p:cSld>
+    <p:spTree>
+      <p:nvGrpSpPr>
+        <p:cNvPr id="1" name=""/>
+        <p:cNvGrpSpPr/>
+        <p:nvPr/>
+      </p:nvGrpSpPr>
+      <p:grpSpPr>
+        <a:xfrm>
+          <a:off x="0" y="0"/>
+          <a:ext cx="0" cy="0"/>
+          <a:chOff x="0" y="0"/>
+          <a:chExt cx="0" cy="0"/>
+        </a:xfrm>
+      </p:grpSpPr>
+      <p:sp>
+        <p:nvSpPr>
+          <p:cNvPr id="2" name="슬라이드 이미지 개체 틀 1"/>
+          <p:cNvSpPr>
+            <a:spLocks noGrp="1" noRot="1" noChangeAspect="1"/>
+          </p:cNvSpPr>
+          <p:nvPr>
+            <p:ph type="sldImg"/>
+          </p:nvPr>
+        </p:nvSpPr>
+        <p:spPr/>
+      </p:sp>
+      <p:sp>
+        <p:nvSpPr>
+          <p:cNvPr id="3" name="슬라이드 노트 개체 틀 2"/>
+          <p:cNvSpPr>
+            <a:spLocks noGrp="1"/>
+          </p:cNvSpPr>
+          <p:nvPr>
+            <p:ph type="body" idx="1"/>
+          </p:nvPr>
+        </p:nvSpPr>
+        <p:spPr/>
+        <p:txBody>
+          <a:bodyPr/>
+          <a:lstStyle/>
+          <a:p>
+            <a:endParaRPr lang="ko-KR" altLang="en-US" dirty="0"/>
+          </a:p>
+        </p:txBody>
+      </p:sp>
+      <p:sp>
+        <p:nvSpPr>
+          <p:cNvPr id="4" name="슬라이드 번호 개체 틀 3"/>
+          <p:cNvSpPr>
+            <a:spLocks noGrp="1"/>
+          </p:cNvSpPr>
+          <p:nvPr>
+            <p:ph type="sldNum" sz="quarter" idx="10"/>
+          </p:nvPr>
+        </p:nvSpPr>
+        <p:spPr/>
+        <p:txBody>
+          <a:bodyPr/>
+          <a:lstStyle/>
+          <a:p>
+            <a:fld id="{5A6BA732-F4BF-43BE-942E-A1FE0FE16617}" type="slidenum">
+              <a:rPr lang="ko-KR" altLang="en-US" smtClean="0"/>
+              <a:t>5</a:t>
+            </a:fld>
+            <a:endParaRPr lang="ko-KR" altLang="en-US" dirty="0"/>
+          </a:p>
+        </p:txBody>
+      </p:sp>
+    </p:spTree>
+    <p:extLst>
+      <p:ext uri="{BB962C8B-B14F-4D97-AF65-F5344CB8AC3E}">
+        <p14:creationId xmlns:p14="http://schemas.microsoft.com/office/powerpoint/2010/main" val="226000932"/>
+      </p:ext>
+    </p:extLst>
+  </p:cSld>
+  <p:clrMapOvr>
+    <a:masterClrMapping/>
+  </p:clrMapOvr>
+</p:notes>
+</file>
+
 <file path=ppt/slideLayouts/slideLayout1.xml><?xml version="1.0" encoding="utf-8"?>
 <p:sldLayout xmlns:a="http://schemas.openxmlformats.org/drawingml/2006/main" xmlns:r="http://schemas.openxmlformats.org/officeDocument/2006/relationships" xmlns:p="http://schemas.openxmlformats.org/presentationml/2006/main" type="title" preserve="1">
   <p:cSld name="제목 슬라이드">
@@ -929,7 +1013,7 @@
           <a:p>
             <a:fld id="{B61477E7-4424-4D7B-8D2E-1CDEEC8E9338}" type="datetimeFigureOut">
               <a:rPr lang="ko-KR" altLang="en-US" smtClean="0"/>
-              <a:t>2021-03-28</a:t>
+              <a:t>2021-04-04</a:t>
             </a:fld>
             <a:endParaRPr lang="ko-KR" altLang="en-US" dirty="0"/>
           </a:p>
@@ -1127,7 +1211,7 @@
           <a:p>
             <a:fld id="{B61477E7-4424-4D7B-8D2E-1CDEEC8E9338}" type="datetimeFigureOut">
               <a:rPr lang="ko-KR" altLang="en-US" smtClean="0"/>
-              <a:t>2021-03-28</a:t>
+              <a:t>2021-04-04</a:t>
             </a:fld>
             <a:endParaRPr lang="ko-KR" altLang="en-US" dirty="0"/>
           </a:p>
@@ -1335,7 +1419,7 @@
           <a:p>
             <a:fld id="{B61477E7-4424-4D7B-8D2E-1CDEEC8E9338}" type="datetimeFigureOut">
               <a:rPr lang="ko-KR" altLang="en-US" smtClean="0"/>
-              <a:t>2021-03-28</a:t>
+              <a:t>2021-04-04</a:t>
             </a:fld>
             <a:endParaRPr lang="ko-KR" altLang="en-US" dirty="0"/>
           </a:p>
@@ -1619,7 +1703,7 @@
           <a:p>
             <a:fld id="{B61477E7-4424-4D7B-8D2E-1CDEEC8E9338}" type="datetimeFigureOut">
               <a:rPr lang="ko-KR" altLang="en-US" smtClean="0"/>
-              <a:t>2021-03-28</a:t>
+              <a:t>2021-04-04</a:t>
             </a:fld>
             <a:endParaRPr lang="ko-KR" altLang="en-US" dirty="0"/>
           </a:p>
@@ -1938,7 +2022,7 @@
           <a:p>
             <a:fld id="{B61477E7-4424-4D7B-8D2E-1CDEEC8E9338}" type="datetimeFigureOut">
               <a:rPr lang="ko-KR" altLang="en-US" smtClean="0"/>
-              <a:t>2021-03-28</a:t>
+              <a:t>2021-04-04</a:t>
             </a:fld>
             <a:endParaRPr lang="ko-KR" altLang="en-US" dirty="0"/>
           </a:p>
@@ -2203,7 +2287,7 @@
           <a:p>
             <a:fld id="{B61477E7-4424-4D7B-8D2E-1CDEEC8E9338}" type="datetimeFigureOut">
               <a:rPr lang="ko-KR" altLang="en-US" smtClean="0"/>
-              <a:t>2021-03-28</a:t>
+              <a:t>2021-04-04</a:t>
             </a:fld>
             <a:endParaRPr lang="ko-KR" altLang="en-US" dirty="0"/>
           </a:p>
@@ -2615,7 +2699,7 @@
           <a:p>
             <a:fld id="{B61477E7-4424-4D7B-8D2E-1CDEEC8E9338}" type="datetimeFigureOut">
               <a:rPr lang="ko-KR" altLang="en-US" smtClean="0"/>
-              <a:t>2021-03-28</a:t>
+              <a:t>2021-04-04</a:t>
             </a:fld>
             <a:endParaRPr lang="ko-KR" altLang="en-US" dirty="0"/>
           </a:p>
@@ -2756,7 +2840,7 @@
           <a:p>
             <a:fld id="{B61477E7-4424-4D7B-8D2E-1CDEEC8E9338}" type="datetimeFigureOut">
               <a:rPr lang="ko-KR" altLang="en-US" smtClean="0"/>
-              <a:t>2021-03-28</a:t>
+              <a:t>2021-04-04</a:t>
             </a:fld>
             <a:endParaRPr lang="ko-KR" altLang="en-US" dirty="0"/>
           </a:p>
@@ -2884,7 +2968,7 @@
           <a:p>
             <a:fld id="{B61477E7-4424-4D7B-8D2E-1CDEEC8E9338}" type="datetimeFigureOut">
               <a:rPr lang="ko-KR" altLang="en-US" smtClean="0"/>
-              <a:t>2021-03-28</a:t>
+              <a:t>2021-04-04</a:t>
             </a:fld>
             <a:endParaRPr lang="ko-KR" altLang="en-US" dirty="0"/>
           </a:p>
@@ -3195,7 +3279,7 @@
           <a:p>
             <a:fld id="{B61477E7-4424-4D7B-8D2E-1CDEEC8E9338}" type="datetimeFigureOut">
               <a:rPr lang="ko-KR" altLang="en-US" smtClean="0"/>
-              <a:t>2021-03-28</a:t>
+              <a:t>2021-04-04</a:t>
             </a:fld>
             <a:endParaRPr lang="ko-KR" altLang="en-US" dirty="0"/>
           </a:p>
@@ -3483,7 +3567,7 @@
           <a:p>
             <a:fld id="{B61477E7-4424-4D7B-8D2E-1CDEEC8E9338}" type="datetimeFigureOut">
               <a:rPr lang="ko-KR" altLang="en-US" smtClean="0"/>
-              <a:t>2021-03-28</a:t>
+              <a:t>2021-04-04</a:t>
             </a:fld>
             <a:endParaRPr lang="ko-KR" altLang="en-US" dirty="0"/>
           </a:p>
@@ -3733,7 +3817,7 @@
           <a:p>
             <a:fld id="{B61477E7-4424-4D7B-8D2E-1CDEEC8E9338}" type="datetimeFigureOut">
               <a:rPr lang="ko-KR" altLang="en-US" smtClean="0"/>
-              <a:t>2021-03-28</a:t>
+              <a:t>2021-04-04</a:t>
             </a:fld>
             <a:endParaRPr lang="ko-KR" altLang="en-US" dirty="0"/>
           </a:p>
@@ -6206,18 +6290,16 @@
         </p:spPr>
         <p:style>
           <a:lnRef idx="2">
-            <a:schemeClr val="accent1">
-              <a:shade val="50000"/>
-            </a:schemeClr>
+            <a:schemeClr val="accent1"/>
           </a:lnRef>
           <a:fillRef idx="1">
-            <a:schemeClr val="accent1"/>
+            <a:schemeClr val="lt1"/>
           </a:fillRef>
           <a:effectRef idx="0">
             <a:schemeClr val="accent1"/>
           </a:effectRef>
           <a:fontRef idx="minor">
-            <a:schemeClr val="lt1"/>
+            <a:schemeClr val="dk1"/>
           </a:fontRef>
         </p:style>
         <p:txBody>
@@ -6296,8 +6378,8 @@
         </p:nvSpPr>
         <p:spPr>
           <a:xfrm>
-            <a:off x="1337094" y="2070340"/>
-            <a:ext cx="9963510" cy="3674852"/>
+            <a:off x="1114245" y="2104846"/>
+            <a:ext cx="9963510" cy="474452"/>
           </a:xfrm>
           <a:prstGeom prst="roundRect">
             <a:avLst/>
@@ -6305,15 +6387,15 @@
         </p:spPr>
         <p:style>
           <a:lnRef idx="2">
-            <a:schemeClr val="accent2">
+            <a:schemeClr val="dk1">
               <a:shade val="50000"/>
             </a:schemeClr>
           </a:lnRef>
           <a:fillRef idx="1">
-            <a:schemeClr val="accent2"/>
+            <a:schemeClr val="dk1"/>
           </a:fillRef>
           <a:effectRef idx="0">
-            <a:schemeClr val="accent2"/>
+            <a:schemeClr val="dk1"/>
           </a:effectRef>
           <a:fontRef idx="minor">
             <a:schemeClr val="lt1"/>
@@ -6325,8 +6407,28 @@
           <a:p>
             <a:pPr algn="ctr"/>
             <a:r>
+              <a:rPr lang="en-US" altLang="ko-KR" dirty="0" smtClean="0">
+                <a:solidFill>
+                  <a:schemeClr val="accent5"/>
+                </a:solidFill>
+              </a:rPr>
+              <a:t>List</a:t>
+            </a:r>
+            <a:r>
               <a:rPr lang="en-US" altLang="ko-KR" dirty="0" smtClean="0"/>
-              <a:t>List&lt;Creature&gt;</a:t>
+              <a:t>&lt;</a:t>
+            </a:r>
+            <a:r>
+              <a:rPr lang="en-US" altLang="ko-KR" dirty="0" smtClean="0">
+                <a:solidFill>
+                  <a:schemeClr val="accent5"/>
+                </a:solidFill>
+              </a:rPr>
+              <a:t>Creature</a:t>
+            </a:r>
+            <a:r>
+              <a:rPr lang="en-US" altLang="ko-KR" dirty="0" smtClean="0"/>
+              <a:t>&gt;</a:t>
             </a:r>
             <a:r>
               <a:rPr lang="en-US" altLang="ko-KR" dirty="0"/>
@@ -6334,136 +6436,45 @@
             </a:r>
             <a:r>
               <a:rPr lang="en-US" altLang="ko-KR" dirty="0" smtClean="0"/>
-              <a:t>list = new List&lt;Creature&gt;();</a:t>
-            </a:r>
-          </a:p>
-          <a:p>
-            <a:pPr algn="ctr"/>
-            <a:endParaRPr lang="en-US" altLang="ko-KR" dirty="0"/>
-          </a:p>
-          <a:p>
-            <a:pPr algn="ctr"/>
-            <a:r>
-              <a:rPr lang="en-US" altLang="ko-KR" dirty="0" err="1" smtClean="0"/>
-              <a:t>list.Add</a:t>
+              <a:t>list = </a:t>
+            </a:r>
+            <a:r>
+              <a:rPr lang="en-US" altLang="ko-KR" dirty="0" smtClean="0">
+                <a:solidFill>
+                  <a:schemeClr val="accent6"/>
+                </a:solidFill>
+              </a:rPr>
+              <a:t>new</a:t>
             </a:r>
             <a:r>
               <a:rPr lang="en-US" altLang="ko-KR" dirty="0" smtClean="0"/>
-              <a:t>(new Monkey());</a:t>
-            </a:r>
-            <a:br>
+              <a:t> </a:t>
+            </a:r>
+            <a:r>
+              <a:rPr lang="en-US" altLang="ko-KR" dirty="0" smtClean="0">
+                <a:solidFill>
+                  <a:schemeClr val="accent5"/>
+                </a:solidFill>
+              </a:rPr>
+              <a:t>List</a:t>
+            </a:r>
+            <a:r>
               <a:rPr lang="en-US" altLang="ko-KR" dirty="0" smtClean="0"/>
-            </a:br>
-            <a:r>
-              <a:rPr lang="en-US" altLang="ko-KR" dirty="0" err="1" smtClean="0"/>
-              <a:t>list.Add</a:t>
+              <a:t>&lt;</a:t>
+            </a:r>
+            <a:r>
+              <a:rPr lang="en-US" altLang="ko-KR" dirty="0" smtClean="0">
+                <a:solidFill>
+                  <a:schemeClr val="accent5"/>
+                </a:solidFill>
+              </a:rPr>
+              <a:t>Creature</a:t>
             </a:r>
             <a:r>
               <a:rPr lang="en-US" altLang="ko-KR" dirty="0" smtClean="0"/>
-              <a:t>(new </a:t>
-            </a:r>
-            <a:r>
-              <a:rPr lang="en-US" altLang="ko-KR" dirty="0"/>
-              <a:t>Monkey());</a:t>
-            </a:r>
-            <a:endParaRPr lang="ko-KR" altLang="en-US" dirty="0"/>
-          </a:p>
-          <a:p>
-            <a:pPr algn="ctr"/>
-            <a:r>
-              <a:rPr lang="en-US" altLang="ko-KR" dirty="0" err="1" smtClean="0"/>
-              <a:t>list.Add</a:t>
-            </a:r>
-            <a:r>
-              <a:rPr lang="en-US" altLang="ko-KR" dirty="0" smtClean="0"/>
-              <a:t>(new </a:t>
-            </a:r>
-            <a:r>
-              <a:rPr lang="en-US" altLang="ko-KR" dirty="0"/>
-              <a:t>Monkey</a:t>
-            </a:r>
-            <a:r>
-              <a:rPr lang="en-US" altLang="ko-KR" dirty="0" smtClean="0"/>
-              <a:t>());</a:t>
-            </a:r>
-          </a:p>
-          <a:p>
-            <a:pPr algn="ctr"/>
-            <a:endParaRPr lang="en-US" altLang="ko-KR" dirty="0"/>
-          </a:p>
-          <a:p>
-            <a:pPr algn="ctr"/>
-            <a:r>
-              <a:rPr lang="en-US" altLang="ko-KR" dirty="0" err="1" smtClean="0"/>
-              <a:t>list.Add</a:t>
-            </a:r>
-            <a:r>
-              <a:rPr lang="en-US" altLang="ko-KR" dirty="0" smtClean="0"/>
-              <a:t>(new Whale());</a:t>
-            </a:r>
-            <a:r>
-              <a:rPr lang="en-US" altLang="ko-KR" dirty="0"/>
-              <a:t> </a:t>
-            </a:r>
-            <a:r>
-              <a:rPr lang="en-US" altLang="ko-KR" dirty="0" smtClean="0"/>
-              <a:t/>
-            </a:r>
-            <a:br>
-              <a:rPr lang="en-US" altLang="ko-KR" dirty="0" smtClean="0"/>
-            </a:br>
-            <a:r>
-              <a:rPr lang="en-US" altLang="ko-KR" dirty="0" err="1"/>
-              <a:t>l</a:t>
-            </a:r>
-            <a:r>
-              <a:rPr lang="en-US" altLang="ko-KR" dirty="0" err="1" smtClean="0"/>
-              <a:t>ist.Add</a:t>
-            </a:r>
-            <a:r>
-              <a:rPr lang="en-US" altLang="ko-KR" dirty="0" smtClean="0"/>
-              <a:t>(new </a:t>
-            </a:r>
-            <a:r>
-              <a:rPr lang="en-US" altLang="ko-KR" dirty="0"/>
-              <a:t>Whale());</a:t>
-            </a:r>
-            <a:endParaRPr lang="ko-KR" altLang="en-US" dirty="0"/>
-          </a:p>
-          <a:p>
-            <a:pPr algn="ctr"/>
-            <a:r>
-              <a:rPr lang="en-US" altLang="ko-KR" dirty="0" err="1" smtClean="0"/>
-              <a:t>list.Add</a:t>
-            </a:r>
-            <a:r>
-              <a:rPr lang="en-US" altLang="ko-KR" dirty="0" smtClean="0"/>
-              <a:t>(new </a:t>
-            </a:r>
-            <a:r>
-              <a:rPr lang="en-US" altLang="ko-KR" dirty="0"/>
-              <a:t>Whale());</a:t>
-            </a:r>
-            <a:endParaRPr lang="ko-KR" altLang="en-US" dirty="0"/>
-          </a:p>
-          <a:p>
-            <a:pPr algn="ctr"/>
-            <a:endParaRPr lang="ko-KR" altLang="en-US" dirty="0"/>
-          </a:p>
-          <a:p>
-            <a:pPr algn="ctr"/>
-            <a:r>
-              <a:rPr lang="en-US" altLang="ko-KR" dirty="0" smtClean="0"/>
-              <a:t/>
-            </a:r>
-            <a:br>
-              <a:rPr lang="en-US" altLang="ko-KR" dirty="0" smtClean="0"/>
-            </a:br>
-            <a:r>
-              <a:rPr lang="en-US" altLang="ko-KR" dirty="0" smtClean="0"/>
-              <a:t>…</a:t>
-            </a:r>
-            <a:endParaRPr lang="ko-KR" altLang="en-US" dirty="0"/>
+              <a:t>&gt;();</a:t>
+            </a:r>
+            <a:endParaRPr lang="en-US" altLang="ko-KR" dirty="0" smtClean="0"/>
           </a:p>
         </p:txBody>
       </p:sp>
